--- a/Task 1/Report 1.pptx
+++ b/Task 1/Report 1.pptx
@@ -6,8 +6,9 @@
   </p:sldMasterIdLst>
   <p:sldIdLst>
     <p:sldId id="256" r:id="rId2"/>
-    <p:sldId id="258" r:id="rId3"/>
-    <p:sldId id="257" r:id="rId4"/>
+    <p:sldId id="259" r:id="rId3"/>
+    <p:sldId id="258" r:id="rId4"/>
+    <p:sldId id="257" r:id="rId5"/>
   </p:sldIdLst>
   <p:sldSz cx="12192000" cy="6858000"/>
   <p:notesSz cx="6858000" cy="9144000"/>
@@ -118,6 +119,7 @@
 <p1510:revInfo xmlns:a="http://schemas.openxmlformats.org/drawingml/2006/main" xmlns:r="http://schemas.openxmlformats.org/officeDocument/2006/relationships" xmlns:p1510="http://schemas.microsoft.com/office/powerpoint/2015/10/main">
   <p1510:revLst>
     <p1510:client id="{3F4DF27D-3686-44A8-8F2B-0473DD9ADB2C}" v="25" dt="2023-05-20T17:47:59.156"/>
+    <p1510:client id="{DB530A06-5BA6-409F-93C3-CC1030E5FDBB}" v="36" dt="2023-05-20T18:35:55.948"/>
     <p1510:client id="{DE5B35A1-BE9F-4E21-9958-8966FA957B66}" v="36" dt="2023-05-20T17:42:37.439"/>
   </p1510:revLst>
 </p1510:revInfo>
@@ -3718,6 +3720,14 @@
 <file path=ppt/slides/slide2.xml><?xml version="1.0" encoding="utf-8"?>
 <p:sld xmlns:a="http://schemas.openxmlformats.org/drawingml/2006/main" xmlns:r="http://schemas.openxmlformats.org/officeDocument/2006/relationships" xmlns:p="http://schemas.openxmlformats.org/presentationml/2006/main">
   <p:cSld>
+    <p:bg>
+      <p:bgPr>
+        <a:solidFill>
+          <a:schemeClr val="bg1"/>
+        </a:solidFill>
+        <a:effectLst/>
+      </p:bgPr>
+    </p:bg>
     <p:spTree>
       <p:nvGrpSpPr>
         <p:cNvPr id="1" name=""/>
@@ -3734,6 +3744,174 @@
       </p:grpSpPr>
       <p:sp>
         <p:nvSpPr>
+          <p:cNvPr id="14" name="Rectangle 13">
+            <a:extLst>
+              <a:ext uri="{FF2B5EF4-FFF2-40B4-BE49-F238E27FC236}">
+                <a16:creationId xmlns:a16="http://schemas.microsoft.com/office/drawing/2014/main" id="{A4AC5506-6312-4701-8D3C-40187889A947}"/>
+              </a:ext>
+              <a:ext uri="{C183D7F6-B498-43B3-948B-1728B52AA6E4}">
+                <adec:decorative xmlns:adec="http://schemas.microsoft.com/office/drawing/2017/decorative" val="1"/>
+              </a:ext>
+            </a:extLst>
+          </p:cNvPr>
+          <p:cNvSpPr>
+            <a:spLocks noGrp="1" noRot="1" noChangeAspect="1" noMove="1" noResize="1" noEditPoints="1" noAdjustHandles="1" noChangeArrowheads="1" noChangeShapeType="1" noTextEdit="1"/>
+          </p:cNvSpPr>
+          <p:nvPr>
+            <p:extLst>
+              <p:ext uri="{386F3935-93C4-4BCD-93E2-E3B085C9AB24}">
+                <p16:designElem xmlns:p16="http://schemas.microsoft.com/office/powerpoint/2015/main" val="1"/>
+              </p:ext>
+            </p:extLst>
+          </p:nvPr>
+        </p:nvSpPr>
+        <p:spPr>
+          <a:xfrm>
+            <a:off x="0" y="651752"/>
+            <a:ext cx="12192000" cy="736551"/>
+          </a:xfrm>
+          <a:prstGeom prst="rect">
+            <a:avLst/>
+          </a:prstGeom>
+          <a:solidFill>
+            <a:schemeClr val="tx1"/>
+          </a:solidFill>
+          <a:ln>
+            <a:noFill/>
+          </a:ln>
+        </p:spPr>
+        <p:style>
+          <a:lnRef idx="2">
+            <a:schemeClr val="accent1">
+              <a:shade val="50000"/>
+            </a:schemeClr>
+          </a:lnRef>
+          <a:fillRef idx="1">
+            <a:schemeClr val="accent1"/>
+          </a:fillRef>
+          <a:effectRef idx="0">
+            <a:schemeClr val="accent1"/>
+          </a:effectRef>
+          <a:fontRef idx="minor">
+            <a:schemeClr val="lt1"/>
+          </a:fontRef>
+        </p:style>
+        <p:txBody>
+          <a:bodyPr rtlCol="0" anchor="ctr"/>
+          <a:lstStyle/>
+          <a:p>
+            <a:pPr algn="ctr"/>
+            <a:endParaRPr lang="en-US"/>
+          </a:p>
+        </p:txBody>
+      </p:sp>
+      <p:sp>
+        <p:nvSpPr>
+          <p:cNvPr id="2" name="Title 1">
+            <a:extLst>
+              <a:ext uri="{FF2B5EF4-FFF2-40B4-BE49-F238E27FC236}">
+                <a16:creationId xmlns:a16="http://schemas.microsoft.com/office/drawing/2014/main" id="{FF0292C1-1540-E6C9-5C5A-969B10C83CE7}"/>
+              </a:ext>
+            </a:extLst>
+          </p:cNvPr>
+          <p:cNvSpPr>
+            <a:spLocks noGrp="1"/>
+          </p:cNvSpPr>
+          <p:nvPr>
+            <p:ph type="title"/>
+          </p:nvPr>
+        </p:nvSpPr>
+        <p:spPr>
+          <a:xfrm>
+            <a:off x="556532" y="643467"/>
+            <a:ext cx="11210925" cy="744836"/>
+          </a:xfrm>
+        </p:spPr>
+        <p:txBody>
+          <a:bodyPr vert="horz" lIns="91440" tIns="45720" rIns="91440" bIns="45720" rtlCol="0" anchor="ctr">
+            <a:normAutofit/>
+          </a:bodyPr>
+          <a:lstStyle/>
+          <a:p>
+            <a:pPr algn="ctr"/>
+            <a:r>
+              <a:rPr lang="en-US" sz="3200" kern="1200">
+                <a:solidFill>
+                  <a:schemeClr val="bg1"/>
+                </a:solidFill>
+                <a:latin typeface="+mj-lt"/>
+                <a:ea typeface="+mj-ea"/>
+                <a:cs typeface="+mj-cs"/>
+              </a:rPr>
+              <a:t>Sentiment Analysis Based on keywords</a:t>
+            </a:r>
+          </a:p>
+        </p:txBody>
+      </p:sp>
+      <p:pic>
+        <p:nvPicPr>
+          <p:cNvPr id="4" name="Picture 4" descr="Chart, histogram&#10;&#10;Description automatically generated">
+            <a:extLst>
+              <a:ext uri="{FF2B5EF4-FFF2-40B4-BE49-F238E27FC236}">
+                <a16:creationId xmlns:a16="http://schemas.microsoft.com/office/drawing/2014/main" id="{832EE848-E58F-1518-AD36-A13BCBCC77CF}"/>
+              </a:ext>
+            </a:extLst>
+          </p:cNvPr>
+          <p:cNvPicPr>
+            <a:picLocks noGrp="1" noChangeAspect="1"/>
+          </p:cNvPicPr>
+          <p:nvPr>
+            <p:ph idx="1"/>
+          </p:nvPr>
+        </p:nvPicPr>
+        <p:blipFill>
+          <a:blip r:embed="rId2"/>
+          <a:stretch>
+            <a:fillRect/>
+          </a:stretch>
+        </p:blipFill>
+        <p:spPr>
+          <a:xfrm>
+            <a:off x="1657414" y="1675227"/>
+            <a:ext cx="8877171" cy="4394199"/>
+          </a:xfrm>
+          <a:prstGeom prst="rect">
+            <a:avLst/>
+          </a:prstGeom>
+        </p:spPr>
+      </p:pic>
+    </p:spTree>
+    <p:extLst>
+      <p:ext uri="{BB962C8B-B14F-4D97-AF65-F5344CB8AC3E}">
+        <p14:creationId xmlns:p14="http://schemas.microsoft.com/office/powerpoint/2010/main" val="2626365256"/>
+      </p:ext>
+    </p:extLst>
+  </p:cSld>
+  <p:clrMapOvr>
+    <a:masterClrMapping/>
+  </p:clrMapOvr>
+</p:sld>
+</file>
+
+<file path=ppt/slides/slide3.xml><?xml version="1.0" encoding="utf-8"?>
+<p:sld xmlns:a="http://schemas.openxmlformats.org/drawingml/2006/main" xmlns:r="http://schemas.openxmlformats.org/officeDocument/2006/relationships" xmlns:p="http://schemas.openxmlformats.org/presentationml/2006/main">
+  <p:cSld>
+    <p:spTree>
+      <p:nvGrpSpPr>
+        <p:cNvPr id="1" name=""/>
+        <p:cNvGrpSpPr/>
+        <p:nvPr/>
+      </p:nvGrpSpPr>
+      <p:grpSpPr>
+        <a:xfrm>
+          <a:off x="0" y="0"/>
+          <a:ext cx="0" cy="0"/>
+          <a:chOff x="0" y="0"/>
+          <a:chExt cx="0" cy="0"/>
+        </a:xfrm>
+      </p:grpSpPr>
+      <p:sp>
+        <p:nvSpPr>
           <p:cNvPr id="3" name="Content Placeholder 2">
             <a:extLst>
               <a:ext uri="{FF2B5EF4-FFF2-40B4-BE49-F238E27FC236}">
@@ -3869,7 +4047,7 @@
 </p:sld>
 </file>
 
-<file path=ppt/slides/slide3.xml><?xml version="1.0" encoding="utf-8"?>
+<file path=ppt/slides/slide4.xml><?xml version="1.0" encoding="utf-8"?>
 <p:sld xmlns:a="http://schemas.openxmlformats.org/drawingml/2006/main" xmlns:r="http://schemas.openxmlformats.org/officeDocument/2006/relationships" xmlns:p="http://schemas.openxmlformats.org/presentationml/2006/main">
   <p:cSld>
     <p:bg>
@@ -3894,12 +4072,12 @@
           <a:chExt cx="0" cy="0"/>
         </a:xfrm>
       </p:grpSpPr>
-      <p:sp useBgFill="1">
-        <p:nvSpPr>
-          <p:cNvPr id="15" name="Rectangle 14">
-            <a:extLst>
-              <a:ext uri="{FF2B5EF4-FFF2-40B4-BE49-F238E27FC236}">
-                <a16:creationId xmlns:a16="http://schemas.microsoft.com/office/drawing/2014/main" id="{96646FC9-C66D-4EC7-8310-0DD4ACC49C6C}"/>
+      <p:sp>
+        <p:nvSpPr>
+          <p:cNvPr id="26" name="Flowchart: Document 23">
+            <a:extLst>
+              <a:ext uri="{FF2B5EF4-FFF2-40B4-BE49-F238E27FC236}">
+                <a16:creationId xmlns:a16="http://schemas.microsoft.com/office/drawing/2014/main" id="{D12DDE76-C203-4047-9998-63900085B5E8}"/>
               </a:ext>
               <a:ext uri="{C183D7F6-B498-43B3-948B-1728B52AA6E4}">
                 <adec:decorative xmlns:adec="http://schemas.microsoft.com/office/drawing/2017/decorative" val="1"/>
@@ -3919,214 +4097,14 @@
         </p:nvSpPr>
         <p:spPr>
           <a:xfrm>
-            <a:off x="0" y="0"/>
-            <a:ext cx="12192000" cy="6858000"/>
+            <a:off x="638175" y="0"/>
+            <a:ext cx="3248025" cy="3400426"/>
           </a:xfrm>
-          <a:prstGeom prst="rect">
+          <a:prstGeom prst="flowChartDocument">
             <a:avLst/>
           </a:prstGeom>
-          <a:ln>
-            <a:noFill/>
-          </a:ln>
-        </p:spPr>
-        <p:style>
-          <a:lnRef idx="2">
-            <a:schemeClr val="accent1">
-              <a:shade val="50000"/>
-            </a:schemeClr>
-          </a:lnRef>
-          <a:fillRef idx="1">
+          <a:solidFill>
             <a:schemeClr val="accent1"/>
-          </a:fillRef>
-          <a:effectRef idx="0">
-            <a:schemeClr val="accent1"/>
-          </a:effectRef>
-          <a:fontRef idx="minor">
-            <a:schemeClr val="lt1"/>
-          </a:fontRef>
-        </p:style>
-        <p:txBody>
-          <a:bodyPr rtlCol="0" anchor="ctr"/>
-          <a:lstStyle/>
-          <a:p>
-            <a:pPr algn="ctr"/>
-            <a:endParaRPr lang="en-US"/>
-          </a:p>
-        </p:txBody>
-      </p:sp>
-      <p:sp useBgFill="1">
-        <p:nvSpPr>
-          <p:cNvPr id="17" name="Rectangle 16">
-            <a:extLst>
-              <a:ext uri="{FF2B5EF4-FFF2-40B4-BE49-F238E27FC236}">
-                <a16:creationId xmlns:a16="http://schemas.microsoft.com/office/drawing/2014/main" id="{A3473CF9-37EB-43E7-89EF-D2D1C53D1DAC}"/>
-              </a:ext>
-              <a:ext uri="{C183D7F6-B498-43B3-948B-1728B52AA6E4}">
-                <adec:decorative xmlns:adec="http://schemas.microsoft.com/office/drawing/2017/decorative" val="1"/>
-              </a:ext>
-            </a:extLst>
-          </p:cNvPr>
-          <p:cNvSpPr>
-            <a:spLocks noGrp="1" noRot="1" noChangeAspect="1" noMove="1" noResize="1" noEditPoints="1" noAdjustHandles="1" noChangeArrowheads="1" noChangeShapeType="1" noTextEdit="1"/>
-          </p:cNvSpPr>
-          <p:nvPr>
-            <p:extLst>
-              <p:ext uri="{386F3935-93C4-4BCD-93E2-E3B085C9AB24}">
-                <p16:designElem xmlns:p16="http://schemas.microsoft.com/office/powerpoint/2015/main" val="1"/>
-              </p:ext>
-            </p:extLst>
-          </p:nvPr>
-        </p:nvSpPr>
-        <p:spPr>
-          <a:xfrm>
-            <a:off x="1903615" y="221673"/>
-            <a:ext cx="8384770" cy="1332634"/>
-          </a:xfrm>
-          <a:prstGeom prst="rect">
-            <a:avLst/>
-          </a:prstGeom>
-          <a:ln w="12700">
-            <a:solidFill>
-              <a:srgbClr val="DEDEDE"/>
-            </a:solidFill>
-          </a:ln>
-          <a:effectLst>
-            <a:outerShdw blurRad="50800" dist="38100" dir="2700000" algn="tl" rotWithShape="0">
-              <a:schemeClr val="bg2">
-                <a:lumMod val="85000"/>
-                <a:alpha val="30000"/>
-              </a:schemeClr>
-            </a:outerShdw>
-          </a:effectLst>
-        </p:spPr>
-        <p:style>
-          <a:lnRef idx="2">
-            <a:schemeClr val="accent1">
-              <a:shade val="50000"/>
-            </a:schemeClr>
-          </a:lnRef>
-          <a:fillRef idx="1">
-            <a:schemeClr val="accent1"/>
-          </a:fillRef>
-          <a:effectRef idx="0">
-            <a:schemeClr val="accent1"/>
-          </a:effectRef>
-          <a:fontRef idx="minor">
-            <a:schemeClr val="lt1"/>
-          </a:fontRef>
-        </p:style>
-        <p:txBody>
-          <a:bodyPr rtlCol="0" anchor="ctr"/>
-          <a:lstStyle/>
-          <a:p>
-            <a:pPr marL="0" marR="0" lvl="0" indent="0" algn="ctr" defTabSz="914400" rtl="0" eaLnBrk="1" fontAlgn="auto" latinLnBrk="0" hangingPunct="1">
-              <a:lnSpc>
-                <a:spcPct val="100000"/>
-              </a:lnSpc>
-              <a:spcBef>
-                <a:spcPts val="0"/>
-              </a:spcBef>
-              <a:spcAft>
-                <a:spcPts val="0"/>
-              </a:spcAft>
-              <a:buClrTx/>
-              <a:buSzTx/>
-              <a:buFontTx/>
-              <a:buNone/>
-              <a:tabLst/>
-              <a:defRPr/>
-            </a:pPr>
-            <a:endParaRPr kumimoji="0" lang="en-US" sz="1800" b="0" i="0" u="none" strike="noStrike" kern="1200" cap="none" spc="0" normalizeH="0" baseline="0" noProof="0">
-              <a:ln>
-                <a:noFill/>
-              </a:ln>
-              <a:solidFill>
-                <a:prstClr val="white"/>
-              </a:solidFill>
-              <a:effectLst/>
-              <a:uLnTx/>
-              <a:uFillTx/>
-              <a:latin typeface="Calibri" panose="020F0502020204030204"/>
-              <a:ea typeface="+mn-ea"/>
-              <a:cs typeface="+mn-cs"/>
-            </a:endParaRPr>
-          </a:p>
-        </p:txBody>
-      </p:sp>
-      <p:sp>
-        <p:nvSpPr>
-          <p:cNvPr id="2" name="Title 1">
-            <a:extLst>
-              <a:ext uri="{FF2B5EF4-FFF2-40B4-BE49-F238E27FC236}">
-                <a16:creationId xmlns:a16="http://schemas.microsoft.com/office/drawing/2014/main" id="{7BDADD12-D653-7463-3EAD-70846DE1F2CC}"/>
-              </a:ext>
-            </a:extLst>
-          </p:cNvPr>
-          <p:cNvSpPr>
-            <a:spLocks noGrp="1"/>
-          </p:cNvSpPr>
-          <p:nvPr>
-            <p:ph type="title"/>
-          </p:nvPr>
-        </p:nvSpPr>
-        <p:spPr>
-          <a:xfrm>
-            <a:off x="2103121" y="310343"/>
-            <a:ext cx="7985759" cy="868823"/>
-          </a:xfrm>
-        </p:spPr>
-        <p:txBody>
-          <a:bodyPr vert="horz" lIns="91440" tIns="45720" rIns="91440" bIns="45720" rtlCol="0" anchor="ctr">
-            <a:normAutofit/>
-          </a:bodyPr>
-          <a:lstStyle/>
-          <a:p>
-            <a:pPr algn="ctr"/>
-            <a:r>
-              <a:rPr lang="en-US" sz="4000" dirty="0">
-                <a:cs typeface="Calibri Light"/>
-              </a:rPr>
-              <a:t>Issue Analysis</a:t>
-            </a:r>
-            <a:endParaRPr lang="en-US" sz="4000" dirty="0"/>
-          </a:p>
-        </p:txBody>
-      </p:sp>
-      <p:sp>
-        <p:nvSpPr>
-          <p:cNvPr id="19" name="Rectangle: Rounded Corners 18">
-            <a:extLst>
-              <a:ext uri="{FF2B5EF4-FFF2-40B4-BE49-F238E27FC236}">
-                <a16:creationId xmlns:a16="http://schemas.microsoft.com/office/drawing/2014/main" id="{586B4EF9-43BA-4655-A6FF-1D8E21574C95}"/>
-              </a:ext>
-              <a:ext uri="{C183D7F6-B498-43B3-948B-1728B52AA6E4}">
-                <adec:decorative xmlns:adec="http://schemas.microsoft.com/office/drawing/2017/decorative" val="1"/>
-              </a:ext>
-            </a:extLst>
-          </p:cNvPr>
-          <p:cNvSpPr>
-            <a:spLocks noGrp="1" noRot="1" noChangeAspect="1" noMove="1" noResize="1" noEditPoints="1" noAdjustHandles="1" noChangeArrowheads="1" noChangeShapeType="1" noTextEdit="1"/>
-          </p:cNvSpPr>
-          <p:nvPr>
-            <p:extLst>
-              <p:ext uri="{386F3935-93C4-4BCD-93E2-E3B085C9AB24}">
-                <p16:designElem xmlns:p16="http://schemas.microsoft.com/office/powerpoint/2015/main" val="1"/>
-              </p:ext>
-            </p:extLst>
-          </p:nvPr>
-        </p:nvSpPr>
-        <p:spPr>
-          <a:xfrm>
-            <a:off x="2483110" y="1211407"/>
-            <a:ext cx="7225780" cy="685800"/>
-          </a:xfrm>
-          <a:prstGeom prst="roundRect">
-            <a:avLst>
-              <a:gd name="adj" fmla="val 0"/>
-            </a:avLst>
-          </a:prstGeom>
-          <a:solidFill>
-            <a:schemeClr val="accent2"/>
           </a:solidFill>
           <a:ln>
             <a:noFill/>
@@ -4153,21 +4131,58 @@
           <a:lstStyle/>
           <a:p>
             <a:pPr algn="ctr"/>
-            <a:endParaRPr lang="en-US">
-              <a:solidFill>
-                <a:prstClr val="white"/>
-              </a:solidFill>
-              <a:latin typeface="Avenir Next LT Pro"/>
-            </a:endParaRPr>
+            <a:endParaRPr lang="en-US"/>
+          </a:p>
+        </p:txBody>
+      </p:sp>
+      <p:sp>
+        <p:nvSpPr>
+          <p:cNvPr id="2" name="Title 1">
+            <a:extLst>
+              <a:ext uri="{FF2B5EF4-FFF2-40B4-BE49-F238E27FC236}">
+                <a16:creationId xmlns:a16="http://schemas.microsoft.com/office/drawing/2014/main" id="{7BDADD12-D653-7463-3EAD-70846DE1F2CC}"/>
+              </a:ext>
+            </a:extLst>
+          </p:cNvPr>
+          <p:cNvSpPr>
+            <a:spLocks noGrp="1"/>
+          </p:cNvSpPr>
+          <p:nvPr>
+            <p:ph type="title"/>
+          </p:nvPr>
+        </p:nvSpPr>
+        <p:spPr>
+          <a:xfrm>
+            <a:off x="838200" y="171162"/>
+            <a:ext cx="2840182" cy="2371148"/>
+          </a:xfrm>
+        </p:spPr>
+        <p:txBody>
+          <a:bodyPr vert="horz" lIns="91440" tIns="45720" rIns="91440" bIns="45720" rtlCol="0" anchor="ctr">
+            <a:normAutofit/>
+          </a:bodyPr>
+          <a:lstStyle/>
+          <a:p>
+            <a:r>
+              <a:rPr lang="en-US" sz="3200" kern="1200">
+                <a:solidFill>
+                  <a:srgbClr val="FFFFFF"/>
+                </a:solidFill>
+                <a:latin typeface="+mj-lt"/>
+                <a:ea typeface="+mj-ea"/>
+                <a:cs typeface="+mj-cs"/>
+              </a:rPr>
+              <a:t>Issue Analysis</a:t>
+            </a:r>
           </a:p>
         </p:txBody>
       </p:sp>
       <p:pic>
         <p:nvPicPr>
-          <p:cNvPr id="4" name="Picture 4" descr="Chart, bar chart&#10;&#10;Description automatically generated">
-            <a:extLst>
-              <a:ext uri="{FF2B5EF4-FFF2-40B4-BE49-F238E27FC236}">
-                <a16:creationId xmlns:a16="http://schemas.microsoft.com/office/drawing/2014/main" id="{40E35E33-E1D5-0B7B-6AF1-36FA4BDD6798}"/>
+          <p:cNvPr id="7" name="Picture 7" descr="Chart, bar chart&#10;&#10;Description automatically generated">
+            <a:extLst>
+              <a:ext uri="{FF2B5EF4-FFF2-40B4-BE49-F238E27FC236}">
+                <a16:creationId xmlns:a16="http://schemas.microsoft.com/office/drawing/2014/main" id="{6F90C5D0-6134-DEEC-4094-31E496E46F98}"/>
               </a:ext>
             </a:extLst>
           </p:cNvPr>
@@ -4178,44 +4193,16 @@
             <p:ph idx="1"/>
           </p:nvPr>
         </p:nvPicPr>
-        <p:blipFill rotWithShape="1">
+        <p:blipFill>
           <a:blip r:embed="rId2"/>
-          <a:srcRect t="710" r="-2" b="11371"/>
-          <a:stretch/>
+          <a:stretch>
+            <a:fillRect/>
+          </a:stretch>
         </p:blipFill>
         <p:spPr>
           <a:xfrm>
-            <a:off x="385572" y="2312005"/>
-            <a:ext cx="5596128" cy="3751470"/>
-          </a:xfrm>
-          <a:prstGeom prst="rect">
-            <a:avLst/>
-          </a:prstGeom>
-        </p:spPr>
-      </p:pic>
-      <p:pic>
-        <p:nvPicPr>
-          <p:cNvPr id="5" name="Picture 5" descr="Chart, bar chart&#10;&#10;Description automatically generated">
-            <a:extLst>
-              <a:ext uri="{FF2B5EF4-FFF2-40B4-BE49-F238E27FC236}">
-                <a16:creationId xmlns:a16="http://schemas.microsoft.com/office/drawing/2014/main" id="{2BFEA15F-6BC3-277A-7718-288CFCAE95D9}"/>
-              </a:ext>
-            </a:extLst>
-          </p:cNvPr>
-          <p:cNvPicPr>
-            <a:picLocks noChangeAspect="1"/>
-          </p:cNvPicPr>
-          <p:nvPr/>
-        </p:nvPicPr>
-        <p:blipFill rotWithShape="1">
-          <a:blip r:embed="rId3"/>
-          <a:srcRect t="8154" r="-2" b="3054"/>
-          <a:stretch/>
-        </p:blipFill>
-        <p:spPr>
-          <a:xfrm>
-            <a:off x="6210302" y="2312013"/>
-            <a:ext cx="5596128" cy="3751453"/>
+            <a:off x="4223461" y="640080"/>
+            <a:ext cx="7316481" cy="5578816"/>
           </a:xfrm>
           <a:prstGeom prst="rect">
             <a:avLst/>
